--- a/FFPM/FFPM 515.pptx
+++ b/FFPM/FFPM 515.pptx
@@ -110,6 +110,22 @@
       </a:defRPr>
     </a:lvl9pPr>
   </p:defaultTextStyle>
+  <p:extLst>
+    <p:ext uri="{EFAFB233-063F-42B5-8137-9DF3F51BA10A}">
+      <p15:sldGuideLst xmlns:p15="http://schemas.microsoft.com/office/powerpoint/2012/main">
+        <p15:guide id="1" orient="horz" pos="1620">
+          <p15:clr>
+            <a:srgbClr val="A4A3A4"/>
+          </p15:clr>
+        </p15:guide>
+        <p15:guide id="2" pos="2880">
+          <p15:clr>
+            <a:srgbClr val="A4A3A4"/>
+          </p15:clr>
+        </p15:guide>
+      </p15:sldGuideLst>
+    </p:ext>
+  </p:extLst>
 </p:presentation>
 </file>
 
@@ -151,10 +167,9 @@
           <a:lstStyle/>
           <a:p>
             <a:r>
-              <a:rPr lang="fr-FR" smtClean="0"/>
+              <a:rPr lang="fr-FR"/>
               <a:t>Modifiez le style du titre</a:t>
             </a:r>
-            <a:endParaRPr lang="fr-FR"/>
           </a:p>
         </p:txBody>
       </p:sp>
@@ -270,10 +285,9 @@
           </a:lstStyle>
           <a:p>
             <a:r>
-              <a:rPr lang="fr-FR" smtClean="0"/>
+              <a:rPr lang="fr-FR"/>
               <a:t>Modifiez le style des sous-titres du masque</a:t>
             </a:r>
-            <a:endParaRPr lang="fr-FR"/>
           </a:p>
         </p:txBody>
       </p:sp>
@@ -294,7 +308,7 @@
           <a:p>
             <a:fld id="{5B10CCB0-F29A-4F26-ABF2-ACC55E0C159C}" type="datetimeFigureOut">
               <a:rPr lang="fr-FR" smtClean="0"/>
-              <a:t>30/10/2014</a:t>
+              <a:t>16/09/2023</a:t>
             </a:fld>
             <a:endParaRPr lang="fr-FR"/>
           </a:p>
@@ -388,10 +402,9 @@
           <a:lstStyle/>
           <a:p>
             <a:r>
-              <a:rPr lang="fr-FR" smtClean="0"/>
+              <a:rPr lang="fr-FR"/>
               <a:t>Modifiez le style du titre</a:t>
             </a:r>
-            <a:endParaRPr lang="fr-FR"/>
           </a:p>
         </p:txBody>
       </p:sp>
@@ -412,38 +425,37 @@
           <a:p>
             <a:pPr lvl="0"/>
             <a:r>
-              <a:rPr lang="fr-FR" smtClean="0"/>
+              <a:rPr lang="fr-FR"/>
               <a:t>Modifiez les styles du texte du masque</a:t>
             </a:r>
           </a:p>
           <a:p>
             <a:pPr lvl="1"/>
             <a:r>
-              <a:rPr lang="fr-FR" smtClean="0"/>
+              <a:rPr lang="fr-FR"/>
               <a:t>Deuxième niveau</a:t>
             </a:r>
           </a:p>
           <a:p>
             <a:pPr lvl="2"/>
             <a:r>
-              <a:rPr lang="fr-FR" smtClean="0"/>
+              <a:rPr lang="fr-FR"/>
               <a:t>Troisième niveau</a:t>
             </a:r>
           </a:p>
           <a:p>
             <a:pPr lvl="3"/>
             <a:r>
-              <a:rPr lang="fr-FR" smtClean="0"/>
+              <a:rPr lang="fr-FR"/>
               <a:t>Quatrième niveau</a:t>
             </a:r>
           </a:p>
           <a:p>
             <a:pPr lvl="4"/>
             <a:r>
-              <a:rPr lang="fr-FR" smtClean="0"/>
+              <a:rPr lang="fr-FR"/>
               <a:t>Cinquième niveau</a:t>
             </a:r>
-            <a:endParaRPr lang="fr-FR"/>
           </a:p>
         </p:txBody>
       </p:sp>
@@ -464,7 +476,7 @@
           <a:p>
             <a:fld id="{5B10CCB0-F29A-4F26-ABF2-ACC55E0C159C}" type="datetimeFigureOut">
               <a:rPr lang="fr-FR" smtClean="0"/>
-              <a:t>30/10/2014</a:t>
+              <a:t>16/09/2023</a:t>
             </a:fld>
             <a:endParaRPr lang="fr-FR"/>
           </a:p>
@@ -563,10 +575,9 @@
           <a:lstStyle/>
           <a:p>
             <a:r>
-              <a:rPr lang="fr-FR" smtClean="0"/>
+              <a:rPr lang="fr-FR"/>
               <a:t>Modifiez le style du titre</a:t>
             </a:r>
-            <a:endParaRPr lang="fr-FR"/>
           </a:p>
         </p:txBody>
       </p:sp>
@@ -592,38 +603,37 @@
           <a:p>
             <a:pPr lvl="0"/>
             <a:r>
-              <a:rPr lang="fr-FR" smtClean="0"/>
+              <a:rPr lang="fr-FR"/>
               <a:t>Modifiez les styles du texte du masque</a:t>
             </a:r>
           </a:p>
           <a:p>
             <a:pPr lvl="1"/>
             <a:r>
-              <a:rPr lang="fr-FR" smtClean="0"/>
+              <a:rPr lang="fr-FR"/>
               <a:t>Deuxième niveau</a:t>
             </a:r>
           </a:p>
           <a:p>
             <a:pPr lvl="2"/>
             <a:r>
-              <a:rPr lang="fr-FR" smtClean="0"/>
+              <a:rPr lang="fr-FR"/>
               <a:t>Troisième niveau</a:t>
             </a:r>
           </a:p>
           <a:p>
             <a:pPr lvl="3"/>
             <a:r>
-              <a:rPr lang="fr-FR" smtClean="0"/>
+              <a:rPr lang="fr-FR"/>
               <a:t>Quatrième niveau</a:t>
             </a:r>
           </a:p>
           <a:p>
             <a:pPr lvl="4"/>
             <a:r>
-              <a:rPr lang="fr-FR" smtClean="0"/>
+              <a:rPr lang="fr-FR"/>
               <a:t>Cinquième niveau</a:t>
             </a:r>
-            <a:endParaRPr lang="fr-FR"/>
           </a:p>
         </p:txBody>
       </p:sp>
@@ -644,7 +654,7 @@
           <a:p>
             <a:fld id="{5B10CCB0-F29A-4F26-ABF2-ACC55E0C159C}" type="datetimeFigureOut">
               <a:rPr lang="fr-FR" smtClean="0"/>
-              <a:t>30/10/2014</a:t>
+              <a:t>16/09/2023</a:t>
             </a:fld>
             <a:endParaRPr lang="fr-FR"/>
           </a:p>
@@ -738,10 +748,9 @@
           <a:lstStyle/>
           <a:p>
             <a:r>
-              <a:rPr lang="fr-FR" smtClean="0"/>
+              <a:rPr lang="fr-FR"/>
               <a:t>Modifiez le style du titre</a:t>
             </a:r>
-            <a:endParaRPr lang="fr-FR"/>
           </a:p>
         </p:txBody>
       </p:sp>
@@ -762,38 +771,37 @@
           <a:p>
             <a:pPr lvl="0"/>
             <a:r>
-              <a:rPr lang="fr-FR" smtClean="0"/>
+              <a:rPr lang="fr-FR"/>
               <a:t>Modifiez les styles du texte du masque</a:t>
             </a:r>
           </a:p>
           <a:p>
             <a:pPr lvl="1"/>
             <a:r>
-              <a:rPr lang="fr-FR" smtClean="0"/>
+              <a:rPr lang="fr-FR"/>
               <a:t>Deuxième niveau</a:t>
             </a:r>
           </a:p>
           <a:p>
             <a:pPr lvl="2"/>
             <a:r>
-              <a:rPr lang="fr-FR" smtClean="0"/>
+              <a:rPr lang="fr-FR"/>
               <a:t>Troisième niveau</a:t>
             </a:r>
           </a:p>
           <a:p>
             <a:pPr lvl="3"/>
             <a:r>
-              <a:rPr lang="fr-FR" smtClean="0"/>
+              <a:rPr lang="fr-FR"/>
               <a:t>Quatrième niveau</a:t>
             </a:r>
           </a:p>
           <a:p>
             <a:pPr lvl="4"/>
             <a:r>
-              <a:rPr lang="fr-FR" smtClean="0"/>
+              <a:rPr lang="fr-FR"/>
               <a:t>Cinquième niveau</a:t>
             </a:r>
-            <a:endParaRPr lang="fr-FR"/>
           </a:p>
         </p:txBody>
       </p:sp>
@@ -814,7 +822,7 @@
           <a:p>
             <a:fld id="{5B10CCB0-F29A-4F26-ABF2-ACC55E0C159C}" type="datetimeFigureOut">
               <a:rPr lang="fr-FR" smtClean="0"/>
-              <a:t>30/10/2014</a:t>
+              <a:t>16/09/2023</a:t>
             </a:fld>
             <a:endParaRPr lang="fr-FR"/>
           </a:p>
@@ -917,10 +925,9 @@
           </a:lstStyle>
           <a:p>
             <a:r>
-              <a:rPr lang="fr-FR" smtClean="0"/>
+              <a:rPr lang="fr-FR"/>
               <a:t>Modifiez le style du titre</a:t>
             </a:r>
-            <a:endParaRPr lang="fr-FR"/>
           </a:p>
         </p:txBody>
       </p:sp>
@@ -1037,7 +1044,7 @@
           <a:p>
             <a:pPr lvl="0"/>
             <a:r>
-              <a:rPr lang="fr-FR" smtClean="0"/>
+              <a:rPr lang="fr-FR"/>
               <a:t>Modifiez les styles du texte du masque</a:t>
             </a:r>
           </a:p>
@@ -1060,7 +1067,7 @@
           <a:p>
             <a:fld id="{5B10CCB0-F29A-4F26-ABF2-ACC55E0C159C}" type="datetimeFigureOut">
               <a:rPr lang="fr-FR" smtClean="0"/>
-              <a:t>30/10/2014</a:t>
+              <a:t>16/09/2023</a:t>
             </a:fld>
             <a:endParaRPr lang="fr-FR"/>
           </a:p>
@@ -1154,10 +1161,9 @@
           <a:lstStyle/>
           <a:p>
             <a:r>
-              <a:rPr lang="fr-FR" smtClean="0"/>
+              <a:rPr lang="fr-FR"/>
               <a:t>Modifiez le style du titre</a:t>
             </a:r>
-            <a:endParaRPr lang="fr-FR"/>
           </a:p>
         </p:txBody>
       </p:sp>
@@ -1211,38 +1217,37 @@
           <a:p>
             <a:pPr lvl="0"/>
             <a:r>
-              <a:rPr lang="fr-FR" smtClean="0"/>
+              <a:rPr lang="fr-FR"/>
               <a:t>Modifiez les styles du texte du masque</a:t>
             </a:r>
           </a:p>
           <a:p>
             <a:pPr lvl="1"/>
             <a:r>
-              <a:rPr lang="fr-FR" smtClean="0"/>
+              <a:rPr lang="fr-FR"/>
               <a:t>Deuxième niveau</a:t>
             </a:r>
           </a:p>
           <a:p>
             <a:pPr lvl="2"/>
             <a:r>
-              <a:rPr lang="fr-FR" smtClean="0"/>
+              <a:rPr lang="fr-FR"/>
               <a:t>Troisième niveau</a:t>
             </a:r>
           </a:p>
           <a:p>
             <a:pPr lvl="3"/>
             <a:r>
-              <a:rPr lang="fr-FR" smtClean="0"/>
+              <a:rPr lang="fr-FR"/>
               <a:t>Quatrième niveau</a:t>
             </a:r>
           </a:p>
           <a:p>
             <a:pPr lvl="4"/>
             <a:r>
-              <a:rPr lang="fr-FR" smtClean="0"/>
+              <a:rPr lang="fr-FR"/>
               <a:t>Cinquième niveau</a:t>
             </a:r>
-            <a:endParaRPr lang="fr-FR"/>
           </a:p>
         </p:txBody>
       </p:sp>
@@ -1296,38 +1301,37 @@
           <a:p>
             <a:pPr lvl="0"/>
             <a:r>
-              <a:rPr lang="fr-FR" smtClean="0"/>
+              <a:rPr lang="fr-FR"/>
               <a:t>Modifiez les styles du texte du masque</a:t>
             </a:r>
           </a:p>
           <a:p>
             <a:pPr lvl="1"/>
             <a:r>
-              <a:rPr lang="fr-FR" smtClean="0"/>
+              <a:rPr lang="fr-FR"/>
               <a:t>Deuxième niveau</a:t>
             </a:r>
           </a:p>
           <a:p>
             <a:pPr lvl="2"/>
             <a:r>
-              <a:rPr lang="fr-FR" smtClean="0"/>
+              <a:rPr lang="fr-FR"/>
               <a:t>Troisième niveau</a:t>
             </a:r>
           </a:p>
           <a:p>
             <a:pPr lvl="3"/>
             <a:r>
-              <a:rPr lang="fr-FR" smtClean="0"/>
+              <a:rPr lang="fr-FR"/>
               <a:t>Quatrième niveau</a:t>
             </a:r>
           </a:p>
           <a:p>
             <a:pPr lvl="4"/>
             <a:r>
-              <a:rPr lang="fr-FR" smtClean="0"/>
+              <a:rPr lang="fr-FR"/>
               <a:t>Cinquième niveau</a:t>
             </a:r>
-            <a:endParaRPr lang="fr-FR"/>
           </a:p>
         </p:txBody>
       </p:sp>
@@ -1348,7 +1352,7 @@
           <a:p>
             <a:fld id="{5B10CCB0-F29A-4F26-ABF2-ACC55E0C159C}" type="datetimeFigureOut">
               <a:rPr lang="fr-FR" smtClean="0"/>
-              <a:t>30/10/2014</a:t>
+              <a:t>16/09/2023</a:t>
             </a:fld>
             <a:endParaRPr lang="fr-FR"/>
           </a:p>
@@ -1451,10 +1455,9 @@
           </a:lstStyle>
           <a:p>
             <a:r>
-              <a:rPr lang="fr-FR" smtClean="0"/>
+              <a:rPr lang="fr-FR"/>
               <a:t>Modifiez le style du titre</a:t>
             </a:r>
-            <a:endParaRPr lang="fr-FR"/>
           </a:p>
         </p:txBody>
       </p:sp>
@@ -1517,7 +1520,7 @@
           <a:p>
             <a:pPr lvl="0"/>
             <a:r>
-              <a:rPr lang="fr-FR" smtClean="0"/>
+              <a:rPr lang="fr-FR"/>
               <a:t>Modifiez les styles du texte du masque</a:t>
             </a:r>
           </a:p>
@@ -1573,38 +1576,37 @@
           <a:p>
             <a:pPr lvl="0"/>
             <a:r>
-              <a:rPr lang="fr-FR" smtClean="0"/>
+              <a:rPr lang="fr-FR"/>
               <a:t>Modifiez les styles du texte du masque</a:t>
             </a:r>
           </a:p>
           <a:p>
             <a:pPr lvl="1"/>
             <a:r>
-              <a:rPr lang="fr-FR" smtClean="0"/>
+              <a:rPr lang="fr-FR"/>
               <a:t>Deuxième niveau</a:t>
             </a:r>
           </a:p>
           <a:p>
             <a:pPr lvl="2"/>
             <a:r>
-              <a:rPr lang="fr-FR" smtClean="0"/>
+              <a:rPr lang="fr-FR"/>
               <a:t>Troisième niveau</a:t>
             </a:r>
           </a:p>
           <a:p>
             <a:pPr lvl="3"/>
             <a:r>
-              <a:rPr lang="fr-FR" smtClean="0"/>
+              <a:rPr lang="fr-FR"/>
               <a:t>Quatrième niveau</a:t>
             </a:r>
           </a:p>
           <a:p>
             <a:pPr lvl="4"/>
             <a:r>
-              <a:rPr lang="fr-FR" smtClean="0"/>
+              <a:rPr lang="fr-FR"/>
               <a:t>Cinquième niveau</a:t>
             </a:r>
-            <a:endParaRPr lang="fr-FR"/>
           </a:p>
         </p:txBody>
       </p:sp>
@@ -1667,7 +1669,7 @@
           <a:p>
             <a:pPr lvl="0"/>
             <a:r>
-              <a:rPr lang="fr-FR" smtClean="0"/>
+              <a:rPr lang="fr-FR"/>
               <a:t>Modifiez les styles du texte du masque</a:t>
             </a:r>
           </a:p>
@@ -1723,38 +1725,37 @@
           <a:p>
             <a:pPr lvl="0"/>
             <a:r>
-              <a:rPr lang="fr-FR" smtClean="0"/>
+              <a:rPr lang="fr-FR"/>
               <a:t>Modifiez les styles du texte du masque</a:t>
             </a:r>
           </a:p>
           <a:p>
             <a:pPr lvl="1"/>
             <a:r>
-              <a:rPr lang="fr-FR" smtClean="0"/>
+              <a:rPr lang="fr-FR"/>
               <a:t>Deuxième niveau</a:t>
             </a:r>
           </a:p>
           <a:p>
             <a:pPr lvl="2"/>
             <a:r>
-              <a:rPr lang="fr-FR" smtClean="0"/>
+              <a:rPr lang="fr-FR"/>
               <a:t>Troisième niveau</a:t>
             </a:r>
           </a:p>
           <a:p>
             <a:pPr lvl="3"/>
             <a:r>
-              <a:rPr lang="fr-FR" smtClean="0"/>
+              <a:rPr lang="fr-FR"/>
               <a:t>Quatrième niveau</a:t>
             </a:r>
           </a:p>
           <a:p>
             <a:pPr lvl="4"/>
             <a:r>
-              <a:rPr lang="fr-FR" smtClean="0"/>
+              <a:rPr lang="fr-FR"/>
               <a:t>Cinquième niveau</a:t>
             </a:r>
-            <a:endParaRPr lang="fr-FR"/>
           </a:p>
         </p:txBody>
       </p:sp>
@@ -1775,7 +1776,7 @@
           <a:p>
             <a:fld id="{5B10CCB0-F29A-4F26-ABF2-ACC55E0C159C}" type="datetimeFigureOut">
               <a:rPr lang="fr-FR" smtClean="0"/>
-              <a:t>30/10/2014</a:t>
+              <a:t>16/09/2023</a:t>
             </a:fld>
             <a:endParaRPr lang="fr-FR"/>
           </a:p>
@@ -1869,10 +1870,9 @@
           <a:lstStyle/>
           <a:p>
             <a:r>
-              <a:rPr lang="fr-FR" smtClean="0"/>
+              <a:rPr lang="fr-FR"/>
               <a:t>Modifiez le style du titre</a:t>
             </a:r>
-            <a:endParaRPr lang="fr-FR"/>
           </a:p>
         </p:txBody>
       </p:sp>
@@ -1893,7 +1893,7 @@
           <a:p>
             <a:fld id="{5B10CCB0-F29A-4F26-ABF2-ACC55E0C159C}" type="datetimeFigureOut">
               <a:rPr lang="fr-FR" smtClean="0"/>
-              <a:t>30/10/2014</a:t>
+              <a:t>16/09/2023</a:t>
             </a:fld>
             <a:endParaRPr lang="fr-FR"/>
           </a:p>
@@ -1988,7 +1988,7 @@
           <a:p>
             <a:fld id="{5B10CCB0-F29A-4F26-ABF2-ACC55E0C159C}" type="datetimeFigureOut">
               <a:rPr lang="fr-FR" smtClean="0"/>
-              <a:t>30/10/2014</a:t>
+              <a:t>16/09/2023</a:t>
             </a:fld>
             <a:endParaRPr lang="fr-FR"/>
           </a:p>
@@ -2091,10 +2091,9 @@
           </a:lstStyle>
           <a:p>
             <a:r>
-              <a:rPr lang="fr-FR" smtClean="0"/>
+              <a:rPr lang="fr-FR"/>
               <a:t>Modifiez le style du titre</a:t>
             </a:r>
-            <a:endParaRPr lang="fr-FR"/>
           </a:p>
         </p:txBody>
       </p:sp>
@@ -2148,38 +2147,37 @@
           <a:p>
             <a:pPr lvl="0"/>
             <a:r>
-              <a:rPr lang="fr-FR" smtClean="0"/>
+              <a:rPr lang="fr-FR"/>
               <a:t>Modifiez les styles du texte du masque</a:t>
             </a:r>
           </a:p>
           <a:p>
             <a:pPr lvl="1"/>
             <a:r>
-              <a:rPr lang="fr-FR" smtClean="0"/>
+              <a:rPr lang="fr-FR"/>
               <a:t>Deuxième niveau</a:t>
             </a:r>
           </a:p>
           <a:p>
             <a:pPr lvl="2"/>
             <a:r>
-              <a:rPr lang="fr-FR" smtClean="0"/>
+              <a:rPr lang="fr-FR"/>
               <a:t>Troisième niveau</a:t>
             </a:r>
           </a:p>
           <a:p>
             <a:pPr lvl="3"/>
             <a:r>
-              <a:rPr lang="fr-FR" smtClean="0"/>
+              <a:rPr lang="fr-FR"/>
               <a:t>Quatrième niveau</a:t>
             </a:r>
           </a:p>
           <a:p>
             <a:pPr lvl="4"/>
             <a:r>
-              <a:rPr lang="fr-FR" smtClean="0"/>
+              <a:rPr lang="fr-FR"/>
               <a:t>Cinquième niveau</a:t>
             </a:r>
-            <a:endParaRPr lang="fr-FR"/>
           </a:p>
         </p:txBody>
       </p:sp>
@@ -2242,7 +2240,7 @@
           <a:p>
             <a:pPr lvl="0"/>
             <a:r>
-              <a:rPr lang="fr-FR" smtClean="0"/>
+              <a:rPr lang="fr-FR"/>
               <a:t>Modifiez les styles du texte du masque</a:t>
             </a:r>
           </a:p>
@@ -2265,7 +2263,7 @@
           <a:p>
             <a:fld id="{5B10CCB0-F29A-4F26-ABF2-ACC55E0C159C}" type="datetimeFigureOut">
               <a:rPr lang="fr-FR" smtClean="0"/>
-              <a:t>30/10/2014</a:t>
+              <a:t>16/09/2023</a:t>
             </a:fld>
             <a:endParaRPr lang="fr-FR"/>
           </a:p>
@@ -2368,10 +2366,9 @@
           </a:lstStyle>
           <a:p>
             <a:r>
-              <a:rPr lang="fr-FR" smtClean="0"/>
+              <a:rPr lang="fr-FR"/>
               <a:t>Modifiez le style du titre</a:t>
             </a:r>
-            <a:endParaRPr lang="fr-FR"/>
           </a:p>
         </p:txBody>
       </p:sp>
@@ -2495,7 +2492,7 @@
           <a:p>
             <a:pPr lvl="0"/>
             <a:r>
-              <a:rPr lang="fr-FR" smtClean="0"/>
+              <a:rPr lang="fr-FR"/>
               <a:t>Modifiez les styles du texte du masque</a:t>
             </a:r>
           </a:p>
@@ -2518,7 +2515,7 @@
           <a:p>
             <a:fld id="{5B10CCB0-F29A-4F26-ABF2-ACC55E0C159C}" type="datetimeFigureOut">
               <a:rPr lang="fr-FR" smtClean="0"/>
-              <a:t>30/10/2014</a:t>
+              <a:t>16/09/2023</a:t>
             </a:fld>
             <a:endParaRPr lang="fr-FR"/>
           </a:p>
@@ -2627,10 +2624,9 @@
           <a:lstStyle/>
           <a:p>
             <a:r>
-              <a:rPr lang="fr-FR" smtClean="0"/>
+              <a:rPr lang="fr-FR"/>
               <a:t>Modifiez le style du titre</a:t>
             </a:r>
-            <a:endParaRPr lang="fr-FR"/>
           </a:p>
         </p:txBody>
       </p:sp>
@@ -2661,38 +2657,37 @@
           <a:p>
             <a:pPr lvl="0"/>
             <a:r>
-              <a:rPr lang="fr-FR" smtClean="0"/>
+              <a:rPr lang="fr-FR"/>
               <a:t>Modifiez les styles du texte du masque</a:t>
             </a:r>
           </a:p>
           <a:p>
             <a:pPr lvl="1"/>
             <a:r>
-              <a:rPr lang="fr-FR" smtClean="0"/>
+              <a:rPr lang="fr-FR"/>
               <a:t>Deuxième niveau</a:t>
             </a:r>
           </a:p>
           <a:p>
             <a:pPr lvl="2"/>
             <a:r>
-              <a:rPr lang="fr-FR" smtClean="0"/>
+              <a:rPr lang="fr-FR"/>
               <a:t>Troisième niveau</a:t>
             </a:r>
           </a:p>
           <a:p>
             <a:pPr lvl="3"/>
             <a:r>
-              <a:rPr lang="fr-FR" smtClean="0"/>
+              <a:rPr lang="fr-FR"/>
               <a:t>Quatrième niveau</a:t>
             </a:r>
           </a:p>
           <a:p>
             <a:pPr lvl="4"/>
             <a:r>
-              <a:rPr lang="fr-FR" smtClean="0"/>
+              <a:rPr lang="fr-FR"/>
               <a:t>Cinquième niveau</a:t>
             </a:r>
-            <a:endParaRPr lang="fr-FR"/>
           </a:p>
         </p:txBody>
       </p:sp>
@@ -2731,7 +2726,7 @@
           <a:p>
             <a:fld id="{5B10CCB0-F29A-4F26-ABF2-ACC55E0C159C}" type="datetimeFigureOut">
               <a:rPr lang="fr-FR" smtClean="0"/>
-              <a:t>30/10/2014</a:t>
+              <a:t>16/09/2023</a:t>
             </a:fld>
             <a:endParaRPr lang="fr-FR"/>
           </a:p>
@@ -3129,10 +3124,9 @@
           <a:lstStyle/>
           <a:p>
             <a:r>
-              <a:rPr lang="fr-FR" sz="23900" b="1" dirty="0" smtClean="0"/>
+              <a:rPr lang="fr-FR" sz="23900" b="1" dirty="0"/>
               <a:t>515</a:t>
             </a:r>
-            <a:endParaRPr lang="fr-FR" sz="23900" b="1" dirty="0"/>
           </a:p>
         </p:txBody>
       </p:sp>
@@ -3208,7 +3202,7 @@
           <a:lstStyle/>
           <a:p>
             <a:r>
-              <a:rPr lang="en-GB" sz="6000" b="1" dirty="0" smtClean="0">
+              <a:rPr lang="en-GB" sz="6000" b="1" dirty="0">
                 <a:solidFill>
                   <a:srgbClr val="FF0000"/>
                 </a:solidFill>
@@ -3247,19 +3241,15 @@
               <a:rPr lang="en-GB" sz="6000" b="1" dirty="0"/>
               <a:t> ô !</a:t>
             </a:r>
-            <a:r>
-              <a:rPr lang="fr-FR" sz="6000" b="1" dirty="0"/>
-              <a:t/>
-            </a:r>
             <a:br>
               <a:rPr lang="fr-FR" sz="6000" b="1" dirty="0"/>
             </a:br>
             <a:r>
-              <a:rPr lang="en-GB" sz="6000" b="1" dirty="0" err="1" smtClean="0"/>
+              <a:rPr lang="en-GB" sz="6000" b="1" dirty="0" err="1"/>
               <a:t>Ny</a:t>
             </a:r>
             <a:r>
-              <a:rPr lang="en-GB" sz="6000" b="1" dirty="0" smtClean="0"/>
+              <a:rPr lang="en-GB" sz="6000" b="1" dirty="0"/>
               <a:t> </a:t>
             </a:r>
             <a:r>
@@ -3277,20 +3267,16 @@
             <a:r>
               <a:rPr lang="en-GB" sz="6000" b="1" dirty="0"/>
               <a:t>,</a:t>
-            </a:r>
-            <a:r>
-              <a:rPr lang="fr-FR" sz="6000" b="1" dirty="0"/>
-              <a:t/>
             </a:r>
             <a:br>
               <a:rPr lang="fr-FR" sz="6000" b="1" dirty="0"/>
             </a:br>
             <a:r>
-              <a:rPr lang="en-GB" sz="6000" b="1" dirty="0" err="1" smtClean="0"/>
+              <a:rPr lang="en-GB" sz="6000" b="1" dirty="0" err="1"/>
               <a:t>Fa</a:t>
             </a:r>
             <a:r>
-              <a:rPr lang="en-GB" sz="6000" b="1" dirty="0" smtClean="0"/>
+              <a:rPr lang="en-GB" sz="6000" b="1" dirty="0"/>
               <a:t> </a:t>
             </a:r>
             <a:r>
@@ -3304,20 +3290,16 @@
             <a:r>
               <a:rPr lang="en-GB" sz="6000" b="1" dirty="0" err="1"/>
               <a:t>soa</a:t>
-            </a:r>
-            <a:r>
-              <a:rPr lang="fr-FR" sz="6000" b="1" dirty="0"/>
-              <a:t/>
             </a:r>
             <a:br>
               <a:rPr lang="fr-FR" sz="6000" b="1" dirty="0"/>
             </a:br>
             <a:r>
-              <a:rPr lang="en-GB" sz="6000" b="1" dirty="0" err="1" smtClean="0"/>
+              <a:rPr lang="en-GB" sz="6000" b="1" dirty="0" err="1"/>
               <a:t>Amboarinao</a:t>
             </a:r>
             <a:r>
-              <a:rPr lang="en-GB" sz="6000" b="1" dirty="0" smtClean="0"/>
+              <a:rPr lang="en-GB" sz="6000" b="1" dirty="0"/>
               <a:t> </a:t>
             </a:r>
             <a:r>
@@ -3327,20 +3309,16 @@
             <a:r>
               <a:rPr lang="en-GB" sz="6000" b="1" dirty="0"/>
               <a:t>,</a:t>
-            </a:r>
-            <a:r>
-              <a:rPr lang="fr-FR" sz="6000" b="1" dirty="0"/>
-              <a:t/>
             </a:r>
             <a:br>
               <a:rPr lang="fr-FR" sz="6000" b="1" dirty="0"/>
             </a:br>
             <a:r>
-              <a:rPr lang="en-GB" sz="6000" b="1" dirty="0" err="1" smtClean="0"/>
+              <a:rPr lang="en-GB" sz="6000" b="1" dirty="0" err="1"/>
               <a:t>Hanefanao</a:t>
             </a:r>
             <a:r>
-              <a:rPr lang="en-GB" sz="6000" b="1" dirty="0" smtClean="0"/>
+              <a:rPr lang="en-GB" sz="6000" b="1" dirty="0"/>
               <a:t> </a:t>
             </a:r>
             <a:r>
@@ -3417,9 +3395,6 @@
           <a:p>
             <a:r>
               <a:rPr lang="en-GB" sz="6000" b="1" i="1" dirty="0" err="1">
-                <a:solidFill>
-                  <a:srgbClr val="0070C0"/>
-                </a:solidFill>
                 <a:effectLst>
                   <a:outerShdw blurRad="38100" dist="38100" dir="2700000" algn="tl">
                     <a:srgbClr val="000000">
@@ -3432,9 +3407,6 @@
             </a:r>
             <a:r>
               <a:rPr lang="en-GB" sz="6000" b="1" i="1" dirty="0">
-                <a:solidFill>
-                  <a:srgbClr val="0070C0"/>
-                </a:solidFill>
                 <a:effectLst>
                   <a:outerShdw blurRad="38100" dist="38100" dir="2700000" algn="tl">
                     <a:srgbClr val="000000">
@@ -3447,9 +3419,6 @@
             </a:r>
             <a:r>
               <a:rPr lang="en-GB" sz="6000" b="1" i="1" dirty="0" err="1">
-                <a:solidFill>
-                  <a:srgbClr val="0070C0"/>
-                </a:solidFill>
                 <a:effectLst>
                   <a:outerShdw blurRad="38100" dist="38100" dir="2700000" algn="tl">
                     <a:srgbClr val="000000">
@@ -3462,9 +3431,6 @@
             </a:r>
             <a:r>
               <a:rPr lang="en-GB" sz="6000" b="1" i="1" dirty="0">
-                <a:solidFill>
-                  <a:srgbClr val="0070C0"/>
-                </a:solidFill>
                 <a:effectLst>
                   <a:outerShdw blurRad="38100" dist="38100" dir="2700000" algn="tl">
                     <a:srgbClr val="000000">
@@ -3477,9 +3443,6 @@
             </a:r>
             <a:r>
               <a:rPr lang="en-GB" sz="6000" b="1" i="1" dirty="0" err="1">
-                <a:solidFill>
-                  <a:srgbClr val="0070C0"/>
-                </a:solidFill>
                 <a:effectLst>
                   <a:outerShdw blurRad="38100" dist="38100" dir="2700000" algn="tl">
                     <a:srgbClr val="000000">
@@ -3492,9 +3455,6 @@
             </a:r>
             <a:r>
               <a:rPr lang="en-GB" sz="6000" b="1" i="1" dirty="0">
-                <a:solidFill>
-                  <a:srgbClr val="0070C0"/>
-                </a:solidFill>
                 <a:effectLst>
                   <a:outerShdw blurRad="38100" dist="38100" dir="2700000" algn="tl">
                     <a:srgbClr val="000000">
@@ -3507,9 +3467,6 @@
             </a:r>
             <a:r>
               <a:rPr lang="en-GB" sz="6000" b="1" i="1" dirty="0" err="1">
-                <a:solidFill>
-                  <a:srgbClr val="0070C0"/>
-                </a:solidFill>
                 <a:effectLst>
                   <a:outerShdw blurRad="38100" dist="38100" dir="2700000" algn="tl">
                     <a:srgbClr val="000000">
@@ -3522,9 +3479,6 @@
             </a:r>
             <a:r>
               <a:rPr lang="en-GB" sz="6000" b="1" i="1" dirty="0">
-                <a:solidFill>
-                  <a:srgbClr val="0070C0"/>
-                </a:solidFill>
                 <a:effectLst>
                   <a:outerShdw blurRad="38100" dist="38100" dir="2700000" algn="tl">
                     <a:srgbClr val="000000">
@@ -3537,9 +3491,6 @@
             </a:r>
             <a:r>
               <a:rPr lang="en-GB" sz="6000" b="1" i="1" dirty="0" err="1">
-                <a:solidFill>
-                  <a:srgbClr val="0070C0"/>
-                </a:solidFill>
                 <a:effectLst>
                   <a:outerShdw blurRad="38100" dist="38100" dir="2700000" algn="tl">
                     <a:srgbClr val="000000">
@@ -3549,27 +3500,9 @@
                 </a:effectLst>
               </a:rPr>
               <a:t>tokoa</a:t>
-            </a:r>
-            <a:r>
-              <a:rPr lang="fr-FR" sz="6000" b="1" i="1" dirty="0">
-                <a:solidFill>
-                  <a:srgbClr val="0070C0"/>
-                </a:solidFill>
-                <a:effectLst>
-                  <a:outerShdw blurRad="38100" dist="38100" dir="2700000" algn="tl">
-                    <a:srgbClr val="000000">
-                      <a:alpha val="43137"/>
-                    </a:srgbClr>
-                  </a:outerShdw>
-                </a:effectLst>
-              </a:rPr>
-              <a:t/>
             </a:r>
             <a:br>
               <a:rPr lang="fr-FR" sz="6000" b="1" i="1" dirty="0">
-                <a:solidFill>
-                  <a:srgbClr val="0070C0"/>
-                </a:solidFill>
                 <a:effectLst>
                   <a:outerShdw blurRad="38100" dist="38100" dir="2700000" algn="tl">
                     <a:srgbClr val="000000">
@@ -3580,10 +3513,7 @@
               </a:rPr>
             </a:br>
             <a:r>
-              <a:rPr lang="en-GB" sz="6000" b="1" i="1" dirty="0" smtClean="0">
-                <a:solidFill>
-                  <a:srgbClr val="0070C0"/>
-                </a:solidFill>
+              <a:rPr lang="en-GB" sz="6000" b="1" i="1" dirty="0">
                 <a:effectLst>
                   <a:outerShdw blurRad="38100" dist="38100" dir="2700000" algn="tl">
                     <a:srgbClr val="000000">
@@ -3596,9 +3526,6 @@
             </a:r>
             <a:r>
               <a:rPr lang="en-GB" sz="6000" b="1" i="1" dirty="0" err="1">
-                <a:solidFill>
-                  <a:srgbClr val="0070C0"/>
-                </a:solidFill>
                 <a:effectLst>
                   <a:outerShdw blurRad="38100" dist="38100" dir="2700000" algn="tl">
                     <a:srgbClr val="000000">
@@ -3611,9 +3538,6 @@
             </a:r>
             <a:r>
               <a:rPr lang="en-GB" sz="6000" b="1" i="1" dirty="0">
-                <a:solidFill>
-                  <a:srgbClr val="0070C0"/>
-                </a:solidFill>
                 <a:effectLst>
                   <a:outerShdw blurRad="38100" dist="38100" dir="2700000" algn="tl">
                     <a:srgbClr val="000000">
@@ -3626,9 +3550,6 @@
             </a:r>
             <a:r>
               <a:rPr lang="en-GB" sz="6000" b="1" i="1" dirty="0" err="1">
-                <a:solidFill>
-                  <a:srgbClr val="0070C0"/>
-                </a:solidFill>
                 <a:effectLst>
                   <a:outerShdw blurRad="38100" dist="38100" dir="2700000" algn="tl">
                     <a:srgbClr val="000000">
@@ -3641,9 +3562,6 @@
             </a:r>
             <a:r>
               <a:rPr lang="en-GB" sz="6000" b="1" i="1" dirty="0">
-                <a:solidFill>
-                  <a:srgbClr val="0070C0"/>
-                </a:solidFill>
                 <a:effectLst>
                   <a:outerShdw blurRad="38100" dist="38100" dir="2700000" algn="tl">
                     <a:srgbClr val="000000">
@@ -3653,27 +3571,9 @@
                 </a:effectLst>
               </a:rPr>
               <a:t> ;</a:t>
-            </a:r>
-            <a:r>
-              <a:rPr lang="fr-FR" sz="6000" b="1" i="1" dirty="0">
-                <a:solidFill>
-                  <a:srgbClr val="0070C0"/>
-                </a:solidFill>
-                <a:effectLst>
-                  <a:outerShdw blurRad="38100" dist="38100" dir="2700000" algn="tl">
-                    <a:srgbClr val="000000">
-                      <a:alpha val="43137"/>
-                    </a:srgbClr>
-                  </a:outerShdw>
-                </a:effectLst>
-              </a:rPr>
-              <a:t/>
             </a:r>
             <a:br>
               <a:rPr lang="fr-FR" sz="6000" b="1" i="1" dirty="0">
-                <a:solidFill>
-                  <a:srgbClr val="0070C0"/>
-                </a:solidFill>
                 <a:effectLst>
                   <a:outerShdw blurRad="38100" dist="38100" dir="2700000" algn="tl">
                     <a:srgbClr val="000000">
@@ -3684,10 +3584,7 @@
               </a:rPr>
             </a:br>
             <a:r>
-              <a:rPr lang="en-GB" sz="6000" b="1" i="1" dirty="0" err="1" smtClean="0">
-                <a:solidFill>
-                  <a:srgbClr val="0070C0"/>
-                </a:solidFill>
+              <a:rPr lang="en-GB" sz="6000" b="1" i="1" dirty="0" err="1">
                 <a:effectLst>
                   <a:outerShdw blurRad="38100" dist="38100" dir="2700000" algn="tl">
                     <a:srgbClr val="000000">
@@ -3699,10 +3596,7 @@
               <a:t>Jeso</a:t>
             </a:r>
             <a:r>
-              <a:rPr lang="en-GB" sz="6000" b="1" i="1" dirty="0" smtClean="0">
-                <a:solidFill>
-                  <a:srgbClr val="0070C0"/>
-                </a:solidFill>
+              <a:rPr lang="en-GB" sz="6000" b="1" i="1" dirty="0">
                 <a:effectLst>
                   <a:outerShdw blurRad="38100" dist="38100" dir="2700000" algn="tl">
                     <a:srgbClr val="000000">
@@ -3715,9 +3609,6 @@
             </a:r>
             <a:r>
               <a:rPr lang="en-GB" sz="6000" b="1" i="1" dirty="0" err="1">
-                <a:solidFill>
-                  <a:srgbClr val="0070C0"/>
-                </a:solidFill>
                 <a:effectLst>
                   <a:outerShdw blurRad="38100" dist="38100" dir="2700000" algn="tl">
                     <a:srgbClr val="000000">
@@ -3730,9 +3621,6 @@
             </a:r>
             <a:r>
               <a:rPr lang="en-GB" sz="6000" b="1" i="1" dirty="0">
-                <a:solidFill>
-                  <a:srgbClr val="0070C0"/>
-                </a:solidFill>
                 <a:effectLst>
                   <a:outerShdw blurRad="38100" dist="38100" dir="2700000" algn="tl">
                     <a:srgbClr val="000000">
@@ -3745,9 +3633,6 @@
             </a:r>
             <a:r>
               <a:rPr lang="en-GB" sz="6000" b="1" i="1" dirty="0" err="1">
-                <a:solidFill>
-                  <a:srgbClr val="0070C0"/>
-                </a:solidFill>
                 <a:effectLst>
                   <a:outerShdw blurRad="38100" dist="38100" dir="2700000" algn="tl">
                     <a:srgbClr val="000000">
@@ -3760,9 +3645,6 @@
             </a:r>
             <a:r>
               <a:rPr lang="en-GB" sz="6000" b="1" i="1" dirty="0">
-                <a:solidFill>
-                  <a:srgbClr val="0070C0"/>
-                </a:solidFill>
                 <a:effectLst>
                   <a:outerShdw blurRad="38100" dist="38100" dir="2700000" algn="tl">
                     <a:srgbClr val="000000">
@@ -3772,27 +3654,9 @@
                 </a:effectLst>
               </a:rPr>
               <a:t>, </a:t>
-            </a:r>
-            <a:r>
-              <a:rPr lang="fr-FR" sz="6000" b="1" i="1" dirty="0">
-                <a:solidFill>
-                  <a:srgbClr val="0070C0"/>
-                </a:solidFill>
-                <a:effectLst>
-                  <a:outerShdw blurRad="38100" dist="38100" dir="2700000" algn="tl">
-                    <a:srgbClr val="000000">
-                      <a:alpha val="43137"/>
-                    </a:srgbClr>
-                  </a:outerShdw>
-                </a:effectLst>
-              </a:rPr>
-              <a:t/>
             </a:r>
             <a:br>
               <a:rPr lang="fr-FR" sz="6000" b="1" i="1" dirty="0">
-                <a:solidFill>
-                  <a:srgbClr val="0070C0"/>
-                </a:solidFill>
                 <a:effectLst>
                   <a:outerShdw blurRad="38100" dist="38100" dir="2700000" algn="tl">
                     <a:srgbClr val="000000">
@@ -3803,10 +3667,7 @@
               </a:rPr>
             </a:br>
             <a:r>
-              <a:rPr lang="en-GB" sz="6000" b="1" i="1" dirty="0" err="1" smtClean="0">
-                <a:solidFill>
-                  <a:srgbClr val="0070C0"/>
-                </a:solidFill>
+              <a:rPr lang="en-GB" sz="6000" b="1" i="1" dirty="0" err="1">
                 <a:effectLst>
                   <a:outerShdw blurRad="38100" dist="38100" dir="2700000" algn="tl">
                     <a:srgbClr val="000000">
@@ -3818,10 +3679,7 @@
               <a:t>Sady</a:t>
             </a:r>
             <a:r>
-              <a:rPr lang="en-GB" sz="6000" b="1" i="1" dirty="0" smtClean="0">
-                <a:solidFill>
-                  <a:srgbClr val="0070C0"/>
-                </a:solidFill>
+              <a:rPr lang="en-GB" sz="6000" b="1" i="1" dirty="0">
                 <a:effectLst>
                   <a:outerShdw blurRad="38100" dist="38100" dir="2700000" algn="tl">
                     <a:srgbClr val="000000">
@@ -3834,9 +3692,6 @@
             </a:r>
             <a:r>
               <a:rPr lang="en-GB" sz="6000" b="1" i="1" dirty="0" err="1">
-                <a:solidFill>
-                  <a:srgbClr val="0070C0"/>
-                </a:solidFill>
                 <a:effectLst>
                   <a:outerShdw blurRad="38100" dist="38100" dir="2700000" algn="tl">
                     <a:srgbClr val="000000">
@@ -3849,9 +3704,6 @@
             </a:r>
             <a:r>
               <a:rPr lang="en-GB" sz="6000" b="1" i="1" dirty="0">
-                <a:solidFill>
-                  <a:srgbClr val="0070C0"/>
-                </a:solidFill>
                 <a:effectLst>
                   <a:outerShdw blurRad="38100" dist="38100" dir="2700000" algn="tl">
                     <a:srgbClr val="000000">
@@ -3864,9 +3716,6 @@
             </a:r>
             <a:r>
               <a:rPr lang="en-GB" sz="6000" b="1" i="1" dirty="0" err="1">
-                <a:solidFill>
-                  <a:srgbClr val="0070C0"/>
-                </a:solidFill>
                 <a:effectLst>
                   <a:outerShdw blurRad="38100" dist="38100" dir="2700000" algn="tl">
                     <a:srgbClr val="000000">
@@ -3876,27 +3725,9 @@
                 </a:effectLst>
               </a:rPr>
               <a:t>manao</a:t>
-            </a:r>
-            <a:r>
-              <a:rPr lang="fr-FR" sz="6000" b="1" i="1" dirty="0">
-                <a:solidFill>
-                  <a:srgbClr val="0070C0"/>
-                </a:solidFill>
-                <a:effectLst>
-                  <a:outerShdw blurRad="38100" dist="38100" dir="2700000" algn="tl">
-                    <a:srgbClr val="000000">
-                      <a:alpha val="43137"/>
-                    </a:srgbClr>
-                  </a:outerShdw>
-                </a:effectLst>
-              </a:rPr>
-              <a:t/>
             </a:r>
             <a:br>
               <a:rPr lang="fr-FR" sz="6000" b="1" i="1" dirty="0">
-                <a:solidFill>
-                  <a:srgbClr val="0070C0"/>
-                </a:solidFill>
                 <a:effectLst>
                   <a:outerShdw blurRad="38100" dist="38100" dir="2700000" algn="tl">
                     <a:srgbClr val="000000">
@@ -3907,10 +3738,7 @@
               </a:rPr>
             </a:br>
             <a:r>
-              <a:rPr lang="en-GB" sz="6000" b="1" i="1" dirty="0" err="1" smtClean="0">
-                <a:solidFill>
-                  <a:srgbClr val="0070C0"/>
-                </a:solidFill>
+              <a:rPr lang="en-GB" sz="6000" b="1" i="1" dirty="0" err="1">
                 <a:effectLst>
                   <a:outerShdw blurRad="38100" dist="38100" dir="2700000" algn="tl">
                     <a:srgbClr val="000000">
@@ -3922,10 +3750,7 @@
               <a:t>Trano</a:t>
             </a:r>
             <a:r>
-              <a:rPr lang="en-GB" sz="6000" b="1" i="1" dirty="0" smtClean="0">
-                <a:solidFill>
-                  <a:srgbClr val="0070C0"/>
-                </a:solidFill>
+              <a:rPr lang="en-GB" sz="6000" b="1" i="1" dirty="0">
                 <a:effectLst>
                   <a:outerShdw blurRad="38100" dist="38100" dir="2700000" algn="tl">
                     <a:srgbClr val="000000">
@@ -3938,9 +3763,6 @@
             </a:r>
             <a:r>
               <a:rPr lang="en-GB" sz="6000" b="1" i="1" dirty="0" err="1">
-                <a:solidFill>
-                  <a:srgbClr val="0070C0"/>
-                </a:solidFill>
                 <a:effectLst>
                   <a:outerShdw blurRad="38100" dist="38100" dir="2700000" algn="tl">
                     <a:srgbClr val="000000">
@@ -3953,9 +3775,6 @@
             </a:r>
             <a:r>
               <a:rPr lang="en-GB" sz="6000" b="1" i="1" dirty="0">
-                <a:solidFill>
-                  <a:srgbClr val="0070C0"/>
-                </a:solidFill>
                 <a:effectLst>
                   <a:outerShdw blurRad="38100" dist="38100" dir="2700000" algn="tl">
                     <a:srgbClr val="000000">
@@ -3968,9 +3787,6 @@
             </a:r>
             <a:r>
               <a:rPr lang="en-GB" sz="6000" b="1" i="1" dirty="0" err="1">
-                <a:solidFill>
-                  <a:srgbClr val="0070C0"/>
-                </a:solidFill>
                 <a:effectLst>
                   <a:outerShdw blurRad="38100" dist="38100" dir="2700000" algn="tl">
                     <a:srgbClr val="000000">
@@ -3983,9 +3799,6 @@
             </a:r>
             <a:r>
               <a:rPr lang="en-GB" sz="6000" b="1" i="1" dirty="0">
-                <a:solidFill>
-                  <a:srgbClr val="0070C0"/>
-                </a:solidFill>
                 <a:effectLst>
                   <a:outerShdw blurRad="38100" dist="38100" dir="2700000" algn="tl">
                     <a:srgbClr val="000000">
@@ -3997,9 +3810,6 @@
               <a:t>.</a:t>
             </a:r>
             <a:endParaRPr lang="fr-FR" sz="6000" b="1" i="1" dirty="0">
-              <a:solidFill>
-                <a:srgbClr val="0070C0"/>
-              </a:solidFill>
               <a:effectLst>
                 <a:outerShdw blurRad="38100" dist="38100" dir="2700000" algn="tl">
                   <a:srgbClr val="000000">
@@ -4064,7 +3874,7 @@
           <a:lstStyle/>
           <a:p>
             <a:r>
-              <a:rPr lang="en-GB" sz="6000" b="1" dirty="0" smtClean="0">
+              <a:rPr lang="en-GB" sz="6000" b="1" dirty="0">
                 <a:solidFill>
                   <a:srgbClr val="FF0000"/>
                 </a:solidFill>
@@ -4095,19 +3905,15 @@
               <a:rPr lang="en-GB" sz="6000" b="1" dirty="0"/>
               <a:t> ô !</a:t>
             </a:r>
-            <a:r>
-              <a:rPr lang="fr-FR" sz="6000" b="1" dirty="0"/>
-              <a:t/>
-            </a:r>
             <a:br>
               <a:rPr lang="fr-FR" sz="6000" b="1" dirty="0"/>
             </a:br>
             <a:r>
-              <a:rPr lang="en-GB" sz="6000" b="1" dirty="0" err="1" smtClean="0"/>
+              <a:rPr lang="en-GB" sz="6000" b="1" dirty="0" err="1"/>
               <a:t>Ny</a:t>
             </a:r>
             <a:r>
-              <a:rPr lang="en-GB" sz="6000" b="1" dirty="0" smtClean="0"/>
+              <a:rPr lang="en-GB" sz="6000" b="1" dirty="0"/>
               <a:t> </a:t>
             </a:r>
             <a:r>
@@ -4125,20 +3931,16 @@
             <a:r>
               <a:rPr lang="en-GB" sz="6000" b="1" dirty="0"/>
               <a:t> ;</a:t>
-            </a:r>
-            <a:r>
-              <a:rPr lang="fr-FR" sz="6000" b="1" dirty="0"/>
-              <a:t/>
             </a:r>
             <a:br>
               <a:rPr lang="fr-FR" sz="6000" b="1" dirty="0"/>
             </a:br>
             <a:r>
-              <a:rPr lang="en-GB" sz="6000" b="1" dirty="0" err="1" smtClean="0"/>
+              <a:rPr lang="en-GB" sz="6000" b="1" dirty="0" err="1"/>
               <a:t>Raha</a:t>
             </a:r>
             <a:r>
-              <a:rPr lang="en-GB" sz="6000" b="1" dirty="0" smtClean="0"/>
+              <a:rPr lang="en-GB" sz="6000" b="1" dirty="0"/>
               <a:t> </a:t>
             </a:r>
             <a:r>
@@ -4156,20 +3958,16 @@
             <a:r>
               <a:rPr lang="en-GB" sz="6000" b="1" dirty="0"/>
               <a:t>,</a:t>
-            </a:r>
-            <a:r>
-              <a:rPr lang="fr-FR" sz="6000" b="1" dirty="0"/>
-              <a:t/>
             </a:r>
             <a:br>
               <a:rPr lang="fr-FR" sz="6000" b="1" dirty="0"/>
             </a:br>
             <a:r>
-              <a:rPr lang="en-GB" sz="6000" b="1" dirty="0" err="1" smtClean="0"/>
+              <a:rPr lang="en-GB" sz="6000" b="1" dirty="0" err="1"/>
               <a:t>Tsy</a:t>
             </a:r>
             <a:r>
-              <a:rPr lang="en-GB" sz="6000" b="1" dirty="0" smtClean="0"/>
+              <a:rPr lang="en-GB" sz="6000" b="1" dirty="0"/>
               <a:t> </a:t>
             </a:r>
             <a:r>
@@ -4199,20 +3997,16 @@
             <a:r>
               <a:rPr lang="en-GB" sz="6000" b="1" dirty="0" err="1"/>
               <a:t>fo</a:t>
-            </a:r>
-            <a:r>
-              <a:rPr lang="fr-FR" sz="6000" b="1" dirty="0"/>
-              <a:t/>
             </a:r>
             <a:br>
               <a:rPr lang="fr-FR" sz="6000" b="1" dirty="0"/>
             </a:br>
             <a:r>
-              <a:rPr lang="en-GB" sz="6000" b="1" dirty="0" err="1" smtClean="0"/>
+              <a:rPr lang="en-GB" sz="6000" b="1" dirty="0" err="1"/>
               <a:t>Fa</a:t>
             </a:r>
             <a:r>
-              <a:rPr lang="en-GB" sz="6000" b="1" dirty="0" smtClean="0"/>
+              <a:rPr lang="en-GB" sz="6000" b="1" dirty="0"/>
               <a:t> </a:t>
             </a:r>
             <a:r>
@@ -4289,9 +4083,6 @@
           <a:p>
             <a:r>
               <a:rPr lang="en-GB" sz="6000" b="1" i="1" dirty="0" err="1">
-                <a:solidFill>
-                  <a:srgbClr val="0070C0"/>
-                </a:solidFill>
                 <a:effectLst>
                   <a:outerShdw blurRad="38100" dist="38100" dir="2700000" algn="tl">
                     <a:srgbClr val="000000">
@@ -4304,9 +4095,6 @@
             </a:r>
             <a:r>
               <a:rPr lang="en-GB" sz="6000" b="1" i="1" dirty="0">
-                <a:solidFill>
-                  <a:srgbClr val="0070C0"/>
-                </a:solidFill>
                 <a:effectLst>
                   <a:outerShdw blurRad="38100" dist="38100" dir="2700000" algn="tl">
                     <a:srgbClr val="000000">
@@ -4319,9 +4107,6 @@
             </a:r>
             <a:r>
               <a:rPr lang="en-GB" sz="6000" b="1" i="1" dirty="0" err="1">
-                <a:solidFill>
-                  <a:srgbClr val="0070C0"/>
-                </a:solidFill>
                 <a:effectLst>
                   <a:outerShdw blurRad="38100" dist="38100" dir="2700000" algn="tl">
                     <a:srgbClr val="000000">
@@ -4334,9 +4119,6 @@
             </a:r>
             <a:r>
               <a:rPr lang="en-GB" sz="6000" b="1" i="1" dirty="0">
-                <a:solidFill>
-                  <a:srgbClr val="0070C0"/>
-                </a:solidFill>
                 <a:effectLst>
                   <a:outerShdw blurRad="38100" dist="38100" dir="2700000" algn="tl">
                     <a:srgbClr val="000000">
@@ -4349,9 +4131,6 @@
             </a:r>
             <a:r>
               <a:rPr lang="en-GB" sz="6000" b="1" i="1" dirty="0" err="1">
-                <a:solidFill>
-                  <a:srgbClr val="0070C0"/>
-                </a:solidFill>
                 <a:effectLst>
                   <a:outerShdw blurRad="38100" dist="38100" dir="2700000" algn="tl">
                     <a:srgbClr val="000000">
@@ -4364,9 +4143,6 @@
             </a:r>
             <a:r>
               <a:rPr lang="en-GB" sz="6000" b="1" i="1" dirty="0">
-                <a:solidFill>
-                  <a:srgbClr val="0070C0"/>
-                </a:solidFill>
                 <a:effectLst>
                   <a:outerShdw blurRad="38100" dist="38100" dir="2700000" algn="tl">
                     <a:srgbClr val="000000">
@@ -4379,9 +4155,6 @@
             </a:r>
             <a:r>
               <a:rPr lang="en-GB" sz="6000" b="1" i="1" dirty="0" err="1">
-                <a:solidFill>
-                  <a:srgbClr val="0070C0"/>
-                </a:solidFill>
                 <a:effectLst>
                   <a:outerShdw blurRad="38100" dist="38100" dir="2700000" algn="tl">
                     <a:srgbClr val="000000">
@@ -4394,9 +4167,6 @@
             </a:r>
             <a:r>
               <a:rPr lang="en-GB" sz="6000" b="1" i="1" dirty="0">
-                <a:solidFill>
-                  <a:srgbClr val="0070C0"/>
-                </a:solidFill>
                 <a:effectLst>
                   <a:outerShdw blurRad="38100" dist="38100" dir="2700000" algn="tl">
                     <a:srgbClr val="000000">
@@ -4409,9 +4179,6 @@
             </a:r>
             <a:r>
               <a:rPr lang="en-GB" sz="6000" b="1" i="1" dirty="0" err="1">
-                <a:solidFill>
-                  <a:srgbClr val="0070C0"/>
-                </a:solidFill>
                 <a:effectLst>
                   <a:outerShdw blurRad="38100" dist="38100" dir="2700000" algn="tl">
                     <a:srgbClr val="000000">
@@ -4421,27 +4188,9 @@
                 </a:effectLst>
               </a:rPr>
               <a:t>tokoa</a:t>
-            </a:r>
-            <a:r>
-              <a:rPr lang="fr-FR" sz="6000" b="1" i="1" dirty="0">
-                <a:solidFill>
-                  <a:srgbClr val="0070C0"/>
-                </a:solidFill>
-                <a:effectLst>
-                  <a:outerShdw blurRad="38100" dist="38100" dir="2700000" algn="tl">
-                    <a:srgbClr val="000000">
-                      <a:alpha val="43137"/>
-                    </a:srgbClr>
-                  </a:outerShdw>
-                </a:effectLst>
-              </a:rPr>
-              <a:t/>
             </a:r>
             <a:br>
               <a:rPr lang="fr-FR" sz="6000" b="1" i="1" dirty="0">
-                <a:solidFill>
-                  <a:srgbClr val="0070C0"/>
-                </a:solidFill>
                 <a:effectLst>
                   <a:outerShdw blurRad="38100" dist="38100" dir="2700000" algn="tl">
                     <a:srgbClr val="000000">
@@ -4452,10 +4201,7 @@
               </a:rPr>
             </a:br>
             <a:r>
-              <a:rPr lang="en-GB" sz="6000" b="1" i="1" dirty="0" smtClean="0">
-                <a:solidFill>
-                  <a:srgbClr val="0070C0"/>
-                </a:solidFill>
+              <a:rPr lang="en-GB" sz="6000" b="1" i="1" dirty="0">
                 <a:effectLst>
                   <a:outerShdw blurRad="38100" dist="38100" dir="2700000" algn="tl">
                     <a:srgbClr val="000000">
@@ -4468,9 +4214,6 @@
             </a:r>
             <a:r>
               <a:rPr lang="en-GB" sz="6000" b="1" i="1" dirty="0" err="1">
-                <a:solidFill>
-                  <a:srgbClr val="0070C0"/>
-                </a:solidFill>
                 <a:effectLst>
                   <a:outerShdw blurRad="38100" dist="38100" dir="2700000" algn="tl">
                     <a:srgbClr val="000000">
@@ -4483,9 +4226,6 @@
             </a:r>
             <a:r>
               <a:rPr lang="en-GB" sz="6000" b="1" i="1" dirty="0">
-                <a:solidFill>
-                  <a:srgbClr val="0070C0"/>
-                </a:solidFill>
                 <a:effectLst>
                   <a:outerShdw blurRad="38100" dist="38100" dir="2700000" algn="tl">
                     <a:srgbClr val="000000">
@@ -4498,9 +4238,6 @@
             </a:r>
             <a:r>
               <a:rPr lang="en-GB" sz="6000" b="1" i="1" dirty="0" err="1">
-                <a:solidFill>
-                  <a:srgbClr val="0070C0"/>
-                </a:solidFill>
                 <a:effectLst>
                   <a:outerShdw blurRad="38100" dist="38100" dir="2700000" algn="tl">
                     <a:srgbClr val="000000">
@@ -4513,9 +4250,6 @@
             </a:r>
             <a:r>
               <a:rPr lang="en-GB" sz="6000" b="1" i="1" dirty="0">
-                <a:solidFill>
-                  <a:srgbClr val="0070C0"/>
-                </a:solidFill>
                 <a:effectLst>
                   <a:outerShdw blurRad="38100" dist="38100" dir="2700000" algn="tl">
                     <a:srgbClr val="000000">
@@ -4525,27 +4259,9 @@
                 </a:effectLst>
               </a:rPr>
               <a:t> ;</a:t>
-            </a:r>
-            <a:r>
-              <a:rPr lang="fr-FR" sz="6000" b="1" i="1" dirty="0">
-                <a:solidFill>
-                  <a:srgbClr val="0070C0"/>
-                </a:solidFill>
-                <a:effectLst>
-                  <a:outerShdw blurRad="38100" dist="38100" dir="2700000" algn="tl">
-                    <a:srgbClr val="000000">
-                      <a:alpha val="43137"/>
-                    </a:srgbClr>
-                  </a:outerShdw>
-                </a:effectLst>
-              </a:rPr>
-              <a:t/>
             </a:r>
             <a:br>
               <a:rPr lang="fr-FR" sz="6000" b="1" i="1" dirty="0">
-                <a:solidFill>
-                  <a:srgbClr val="0070C0"/>
-                </a:solidFill>
                 <a:effectLst>
                   <a:outerShdw blurRad="38100" dist="38100" dir="2700000" algn="tl">
                     <a:srgbClr val="000000">
@@ -4556,10 +4272,7 @@
               </a:rPr>
             </a:br>
             <a:r>
-              <a:rPr lang="en-GB" sz="6000" b="1" i="1" dirty="0" err="1" smtClean="0">
-                <a:solidFill>
-                  <a:srgbClr val="0070C0"/>
-                </a:solidFill>
+              <a:rPr lang="en-GB" sz="6000" b="1" i="1" dirty="0" err="1">
                 <a:effectLst>
                   <a:outerShdw blurRad="38100" dist="38100" dir="2700000" algn="tl">
                     <a:srgbClr val="000000">
@@ -4571,10 +4284,7 @@
               <a:t>Jeso</a:t>
             </a:r>
             <a:r>
-              <a:rPr lang="en-GB" sz="6000" b="1" i="1" dirty="0" smtClean="0">
-                <a:solidFill>
-                  <a:srgbClr val="0070C0"/>
-                </a:solidFill>
+              <a:rPr lang="en-GB" sz="6000" b="1" i="1" dirty="0">
                 <a:effectLst>
                   <a:outerShdw blurRad="38100" dist="38100" dir="2700000" algn="tl">
                     <a:srgbClr val="000000">
@@ -4587,9 +4297,6 @@
             </a:r>
             <a:r>
               <a:rPr lang="en-GB" sz="6000" b="1" i="1" dirty="0" err="1">
-                <a:solidFill>
-                  <a:srgbClr val="0070C0"/>
-                </a:solidFill>
                 <a:effectLst>
                   <a:outerShdw blurRad="38100" dist="38100" dir="2700000" algn="tl">
                     <a:srgbClr val="000000">
@@ -4602,9 +4309,6 @@
             </a:r>
             <a:r>
               <a:rPr lang="en-GB" sz="6000" b="1" i="1" dirty="0">
-                <a:solidFill>
-                  <a:srgbClr val="0070C0"/>
-                </a:solidFill>
                 <a:effectLst>
                   <a:outerShdw blurRad="38100" dist="38100" dir="2700000" algn="tl">
                     <a:srgbClr val="000000">
@@ -4617,9 +4321,6 @@
             </a:r>
             <a:r>
               <a:rPr lang="en-GB" sz="6000" b="1" i="1" dirty="0" err="1">
-                <a:solidFill>
-                  <a:srgbClr val="0070C0"/>
-                </a:solidFill>
                 <a:effectLst>
                   <a:outerShdw blurRad="38100" dist="38100" dir="2700000" algn="tl">
                     <a:srgbClr val="000000">
@@ -4632,9 +4333,6 @@
             </a:r>
             <a:r>
               <a:rPr lang="en-GB" sz="6000" b="1" i="1" dirty="0">
-                <a:solidFill>
-                  <a:srgbClr val="0070C0"/>
-                </a:solidFill>
                 <a:effectLst>
                   <a:outerShdw blurRad="38100" dist="38100" dir="2700000" algn="tl">
                     <a:srgbClr val="000000">
@@ -4644,27 +4342,9 @@
                 </a:effectLst>
               </a:rPr>
               <a:t>, </a:t>
-            </a:r>
-            <a:r>
-              <a:rPr lang="fr-FR" sz="6000" b="1" i="1" dirty="0">
-                <a:solidFill>
-                  <a:srgbClr val="0070C0"/>
-                </a:solidFill>
-                <a:effectLst>
-                  <a:outerShdw blurRad="38100" dist="38100" dir="2700000" algn="tl">
-                    <a:srgbClr val="000000">
-                      <a:alpha val="43137"/>
-                    </a:srgbClr>
-                  </a:outerShdw>
-                </a:effectLst>
-              </a:rPr>
-              <a:t/>
             </a:r>
             <a:br>
               <a:rPr lang="fr-FR" sz="6000" b="1" i="1" dirty="0">
-                <a:solidFill>
-                  <a:srgbClr val="0070C0"/>
-                </a:solidFill>
                 <a:effectLst>
                   <a:outerShdw blurRad="38100" dist="38100" dir="2700000" algn="tl">
                     <a:srgbClr val="000000">
@@ -4675,10 +4355,7 @@
               </a:rPr>
             </a:br>
             <a:r>
-              <a:rPr lang="en-GB" sz="6000" b="1" i="1" dirty="0" err="1" smtClean="0">
-                <a:solidFill>
-                  <a:srgbClr val="0070C0"/>
-                </a:solidFill>
+              <a:rPr lang="en-GB" sz="6000" b="1" i="1" dirty="0" err="1">
                 <a:effectLst>
                   <a:outerShdw blurRad="38100" dist="38100" dir="2700000" algn="tl">
                     <a:srgbClr val="000000">
@@ -4690,10 +4367,7 @@
               <a:t>Sady</a:t>
             </a:r>
             <a:r>
-              <a:rPr lang="en-GB" sz="6000" b="1" i="1" dirty="0" smtClean="0">
-                <a:solidFill>
-                  <a:srgbClr val="0070C0"/>
-                </a:solidFill>
+              <a:rPr lang="en-GB" sz="6000" b="1" i="1" dirty="0">
                 <a:effectLst>
                   <a:outerShdw blurRad="38100" dist="38100" dir="2700000" algn="tl">
                     <a:srgbClr val="000000">
@@ -4706,9 +4380,6 @@
             </a:r>
             <a:r>
               <a:rPr lang="en-GB" sz="6000" b="1" i="1" dirty="0" err="1">
-                <a:solidFill>
-                  <a:srgbClr val="0070C0"/>
-                </a:solidFill>
                 <a:effectLst>
                   <a:outerShdw blurRad="38100" dist="38100" dir="2700000" algn="tl">
                     <a:srgbClr val="000000">
@@ -4721,9 +4392,6 @@
             </a:r>
             <a:r>
               <a:rPr lang="en-GB" sz="6000" b="1" i="1" dirty="0">
-                <a:solidFill>
-                  <a:srgbClr val="0070C0"/>
-                </a:solidFill>
                 <a:effectLst>
                   <a:outerShdw blurRad="38100" dist="38100" dir="2700000" algn="tl">
                     <a:srgbClr val="000000">
@@ -4736,9 +4404,6 @@
             </a:r>
             <a:r>
               <a:rPr lang="en-GB" sz="6000" b="1" i="1" dirty="0" err="1">
-                <a:solidFill>
-                  <a:srgbClr val="0070C0"/>
-                </a:solidFill>
                 <a:effectLst>
                   <a:outerShdw blurRad="38100" dist="38100" dir="2700000" algn="tl">
                     <a:srgbClr val="000000">
@@ -4748,27 +4413,9 @@
                 </a:effectLst>
               </a:rPr>
               <a:t>manao</a:t>
-            </a:r>
-            <a:r>
-              <a:rPr lang="fr-FR" sz="6000" b="1" i="1" dirty="0">
-                <a:solidFill>
-                  <a:srgbClr val="0070C0"/>
-                </a:solidFill>
-                <a:effectLst>
-                  <a:outerShdw blurRad="38100" dist="38100" dir="2700000" algn="tl">
-                    <a:srgbClr val="000000">
-                      <a:alpha val="43137"/>
-                    </a:srgbClr>
-                  </a:outerShdw>
-                </a:effectLst>
-              </a:rPr>
-              <a:t/>
             </a:r>
             <a:br>
               <a:rPr lang="fr-FR" sz="6000" b="1" i="1" dirty="0">
-                <a:solidFill>
-                  <a:srgbClr val="0070C0"/>
-                </a:solidFill>
                 <a:effectLst>
                   <a:outerShdw blurRad="38100" dist="38100" dir="2700000" algn="tl">
                     <a:srgbClr val="000000">
@@ -4779,10 +4426,7 @@
               </a:rPr>
             </a:br>
             <a:r>
-              <a:rPr lang="en-GB" sz="6000" b="1" i="1" dirty="0" err="1" smtClean="0">
-                <a:solidFill>
-                  <a:srgbClr val="0070C0"/>
-                </a:solidFill>
+              <a:rPr lang="en-GB" sz="6000" b="1" i="1" dirty="0" err="1">
                 <a:effectLst>
                   <a:outerShdw blurRad="38100" dist="38100" dir="2700000" algn="tl">
                     <a:srgbClr val="000000">
@@ -4794,10 +4438,7 @@
               <a:t>Trano</a:t>
             </a:r>
             <a:r>
-              <a:rPr lang="en-GB" sz="6000" b="1" i="1" dirty="0" smtClean="0">
-                <a:solidFill>
-                  <a:srgbClr val="0070C0"/>
-                </a:solidFill>
+              <a:rPr lang="en-GB" sz="6000" b="1" i="1" dirty="0">
                 <a:effectLst>
                   <a:outerShdw blurRad="38100" dist="38100" dir="2700000" algn="tl">
                     <a:srgbClr val="000000">
@@ -4810,9 +4451,6 @@
             </a:r>
             <a:r>
               <a:rPr lang="en-GB" sz="6000" b="1" i="1" dirty="0" err="1">
-                <a:solidFill>
-                  <a:srgbClr val="0070C0"/>
-                </a:solidFill>
                 <a:effectLst>
                   <a:outerShdw blurRad="38100" dist="38100" dir="2700000" algn="tl">
                     <a:srgbClr val="000000">
@@ -4825,9 +4463,6 @@
             </a:r>
             <a:r>
               <a:rPr lang="en-GB" sz="6000" b="1" i="1" dirty="0">
-                <a:solidFill>
-                  <a:srgbClr val="0070C0"/>
-                </a:solidFill>
                 <a:effectLst>
                   <a:outerShdw blurRad="38100" dist="38100" dir="2700000" algn="tl">
                     <a:srgbClr val="000000">
@@ -4840,9 +4475,6 @@
             </a:r>
             <a:r>
               <a:rPr lang="en-GB" sz="6000" b="1" i="1" dirty="0" err="1">
-                <a:solidFill>
-                  <a:srgbClr val="0070C0"/>
-                </a:solidFill>
                 <a:effectLst>
                   <a:outerShdw blurRad="38100" dist="38100" dir="2700000" algn="tl">
                     <a:srgbClr val="000000">
@@ -4855,9 +4487,6 @@
             </a:r>
             <a:r>
               <a:rPr lang="en-GB" sz="6000" b="1" i="1" dirty="0">
-                <a:solidFill>
-                  <a:srgbClr val="0070C0"/>
-                </a:solidFill>
                 <a:effectLst>
                   <a:outerShdw blurRad="38100" dist="38100" dir="2700000" algn="tl">
                     <a:srgbClr val="000000">
@@ -4869,9 +4498,6 @@
               <a:t>.</a:t>
             </a:r>
             <a:endParaRPr lang="fr-FR" sz="6000" b="1" i="1" dirty="0">
-              <a:solidFill>
-                <a:srgbClr val="0070C0"/>
-              </a:solidFill>
               <a:effectLst>
                 <a:outerShdw blurRad="38100" dist="38100" dir="2700000" algn="tl">
                   <a:srgbClr val="000000">
@@ -4936,7 +4562,7 @@
           <a:lstStyle/>
           <a:p>
             <a:r>
-              <a:rPr lang="en-GB" sz="6000" b="1" dirty="0" smtClean="0">
+              <a:rPr lang="en-GB" sz="6000" b="1" dirty="0">
                 <a:solidFill>
                   <a:srgbClr val="FF0000"/>
                 </a:solidFill>
@@ -4975,19 +4601,15 @@
               <a:rPr lang="en-GB" sz="6000" b="1" dirty="0"/>
               <a:t> ô !</a:t>
             </a:r>
-            <a:r>
-              <a:rPr lang="fr-FR" sz="6000" b="1" dirty="0"/>
-              <a:t/>
-            </a:r>
             <a:br>
               <a:rPr lang="fr-FR" sz="6000" b="1" dirty="0"/>
             </a:br>
             <a:r>
-              <a:rPr lang="en-GB" sz="6000" b="1" dirty="0" err="1" smtClean="0"/>
+              <a:rPr lang="en-GB" sz="6000" b="1" dirty="0" err="1"/>
               <a:t>Ny</a:t>
             </a:r>
             <a:r>
-              <a:rPr lang="en-GB" sz="6000" b="1" dirty="0" smtClean="0"/>
+              <a:rPr lang="en-GB" sz="6000" b="1" dirty="0"/>
               <a:t> </a:t>
             </a:r>
             <a:r>
@@ -5005,20 +4627,16 @@
             <a:r>
               <a:rPr lang="en-GB" sz="6000" b="1" dirty="0"/>
               <a:t>,</a:t>
-            </a:r>
-            <a:r>
-              <a:rPr lang="fr-FR" sz="6000" b="1" dirty="0"/>
-              <a:t/>
             </a:r>
             <a:br>
               <a:rPr lang="fr-FR" sz="6000" b="1" dirty="0"/>
             </a:br>
             <a:r>
-              <a:rPr lang="en-GB" sz="6000" b="1" dirty="0" err="1" smtClean="0"/>
+              <a:rPr lang="en-GB" sz="6000" b="1" dirty="0" err="1"/>
               <a:t>Fa</a:t>
             </a:r>
             <a:r>
-              <a:rPr lang="en-GB" sz="6000" b="1" dirty="0" smtClean="0"/>
+              <a:rPr lang="en-GB" sz="6000" b="1" dirty="0"/>
               <a:t> </a:t>
             </a:r>
             <a:r>
@@ -5040,20 +4658,16 @@
             <a:r>
               <a:rPr lang="en-GB" sz="6000" b="1" dirty="0" err="1"/>
               <a:t>soa</a:t>
-            </a:r>
-            <a:r>
-              <a:rPr lang="fr-FR" sz="6000" b="1" dirty="0"/>
-              <a:t/>
             </a:r>
             <a:br>
               <a:rPr lang="fr-FR" sz="6000" b="1" dirty="0"/>
             </a:br>
             <a:r>
-              <a:rPr lang="en-GB" sz="6000" b="1" dirty="0" err="1" smtClean="0"/>
+              <a:rPr lang="en-GB" sz="6000" b="1" dirty="0" err="1"/>
               <a:t>Mofon’aina</a:t>
             </a:r>
             <a:r>
-              <a:rPr lang="en-GB" sz="6000" b="1" dirty="0" smtClean="0"/>
+              <a:rPr lang="en-GB" sz="6000" b="1" dirty="0"/>
               <a:t> </a:t>
             </a:r>
             <a:r>
@@ -5063,20 +4677,16 @@
             <a:r>
               <a:rPr lang="en-GB" sz="6000" b="1" dirty="0"/>
               <a:t> </a:t>
-            </a:r>
-            <a:r>
-              <a:rPr lang="fr-FR" sz="6000" b="1" dirty="0"/>
-              <a:t/>
             </a:r>
             <a:br>
               <a:rPr lang="fr-FR" sz="6000" b="1" dirty="0"/>
             </a:br>
             <a:r>
-              <a:rPr lang="en-GB" sz="6000" b="1" dirty="0" err="1" smtClean="0"/>
+              <a:rPr lang="en-GB" sz="6000" b="1" dirty="0" err="1"/>
               <a:t>Iveloman’ny</a:t>
             </a:r>
             <a:r>
-              <a:rPr lang="en-GB" sz="6000" b="1" dirty="0" smtClean="0"/>
+              <a:rPr lang="en-GB" sz="6000" b="1" dirty="0"/>
               <a:t> </a:t>
             </a:r>
             <a:r>
@@ -5145,9 +4755,6 @@
           <a:p>
             <a:r>
               <a:rPr lang="en-GB" sz="6000" b="1" i="1" dirty="0" err="1">
-                <a:solidFill>
-                  <a:srgbClr val="0070C0"/>
-                </a:solidFill>
                 <a:effectLst>
                   <a:outerShdw blurRad="38100" dist="38100" dir="2700000" algn="tl">
                     <a:srgbClr val="000000">
@@ -5160,9 +4767,6 @@
             </a:r>
             <a:r>
               <a:rPr lang="en-GB" sz="6000" b="1" i="1" dirty="0">
-                <a:solidFill>
-                  <a:srgbClr val="0070C0"/>
-                </a:solidFill>
                 <a:effectLst>
                   <a:outerShdw blurRad="38100" dist="38100" dir="2700000" algn="tl">
                     <a:srgbClr val="000000">
@@ -5175,9 +4779,6 @@
             </a:r>
             <a:r>
               <a:rPr lang="en-GB" sz="6000" b="1" i="1" dirty="0" err="1">
-                <a:solidFill>
-                  <a:srgbClr val="0070C0"/>
-                </a:solidFill>
                 <a:effectLst>
                   <a:outerShdw blurRad="38100" dist="38100" dir="2700000" algn="tl">
                     <a:srgbClr val="000000">
@@ -5190,9 +4791,6 @@
             </a:r>
             <a:r>
               <a:rPr lang="en-GB" sz="6000" b="1" i="1" dirty="0">
-                <a:solidFill>
-                  <a:srgbClr val="0070C0"/>
-                </a:solidFill>
                 <a:effectLst>
                   <a:outerShdw blurRad="38100" dist="38100" dir="2700000" algn="tl">
                     <a:srgbClr val="000000">
@@ -5205,9 +4803,6 @@
             </a:r>
             <a:r>
               <a:rPr lang="en-GB" sz="6000" b="1" i="1" dirty="0" err="1">
-                <a:solidFill>
-                  <a:srgbClr val="0070C0"/>
-                </a:solidFill>
                 <a:effectLst>
                   <a:outerShdw blurRad="38100" dist="38100" dir="2700000" algn="tl">
                     <a:srgbClr val="000000">
@@ -5220,9 +4815,6 @@
             </a:r>
             <a:r>
               <a:rPr lang="en-GB" sz="6000" b="1" i="1" dirty="0">
-                <a:solidFill>
-                  <a:srgbClr val="0070C0"/>
-                </a:solidFill>
                 <a:effectLst>
                   <a:outerShdw blurRad="38100" dist="38100" dir="2700000" algn="tl">
                     <a:srgbClr val="000000">
@@ -5235,9 +4827,6 @@
             </a:r>
             <a:r>
               <a:rPr lang="en-GB" sz="6000" b="1" i="1" dirty="0" err="1">
-                <a:solidFill>
-                  <a:srgbClr val="0070C0"/>
-                </a:solidFill>
                 <a:effectLst>
                   <a:outerShdw blurRad="38100" dist="38100" dir="2700000" algn="tl">
                     <a:srgbClr val="000000">
@@ -5250,9 +4839,6 @@
             </a:r>
             <a:r>
               <a:rPr lang="en-GB" sz="6000" b="1" i="1" dirty="0">
-                <a:solidFill>
-                  <a:srgbClr val="0070C0"/>
-                </a:solidFill>
                 <a:effectLst>
                   <a:outerShdw blurRad="38100" dist="38100" dir="2700000" algn="tl">
                     <a:srgbClr val="000000">
@@ -5265,9 +4851,6 @@
             </a:r>
             <a:r>
               <a:rPr lang="en-GB" sz="6000" b="1" i="1" dirty="0" err="1">
-                <a:solidFill>
-                  <a:srgbClr val="0070C0"/>
-                </a:solidFill>
                 <a:effectLst>
                   <a:outerShdw blurRad="38100" dist="38100" dir="2700000" algn="tl">
                     <a:srgbClr val="000000">
@@ -5277,27 +4860,9 @@
                 </a:effectLst>
               </a:rPr>
               <a:t>tokoa</a:t>
-            </a:r>
-            <a:r>
-              <a:rPr lang="fr-FR" sz="6000" b="1" i="1" dirty="0">
-                <a:solidFill>
-                  <a:srgbClr val="0070C0"/>
-                </a:solidFill>
-                <a:effectLst>
-                  <a:outerShdw blurRad="38100" dist="38100" dir="2700000" algn="tl">
-                    <a:srgbClr val="000000">
-                      <a:alpha val="43137"/>
-                    </a:srgbClr>
-                  </a:outerShdw>
-                </a:effectLst>
-              </a:rPr>
-              <a:t/>
             </a:r>
             <a:br>
               <a:rPr lang="fr-FR" sz="6000" b="1" i="1" dirty="0">
-                <a:solidFill>
-                  <a:srgbClr val="0070C0"/>
-                </a:solidFill>
                 <a:effectLst>
                   <a:outerShdw blurRad="38100" dist="38100" dir="2700000" algn="tl">
                     <a:srgbClr val="000000">
@@ -5308,10 +4873,7 @@
               </a:rPr>
             </a:br>
             <a:r>
-              <a:rPr lang="en-GB" sz="6000" b="1" i="1" dirty="0" smtClean="0">
-                <a:solidFill>
-                  <a:srgbClr val="0070C0"/>
-                </a:solidFill>
+              <a:rPr lang="en-GB" sz="6000" b="1" i="1" dirty="0">
                 <a:effectLst>
                   <a:outerShdw blurRad="38100" dist="38100" dir="2700000" algn="tl">
                     <a:srgbClr val="000000">
@@ -5324,9 +4886,6 @@
             </a:r>
             <a:r>
               <a:rPr lang="en-GB" sz="6000" b="1" i="1" dirty="0" err="1">
-                <a:solidFill>
-                  <a:srgbClr val="0070C0"/>
-                </a:solidFill>
                 <a:effectLst>
                   <a:outerShdw blurRad="38100" dist="38100" dir="2700000" algn="tl">
                     <a:srgbClr val="000000">
@@ -5339,9 +4898,6 @@
             </a:r>
             <a:r>
               <a:rPr lang="en-GB" sz="6000" b="1" i="1" dirty="0">
-                <a:solidFill>
-                  <a:srgbClr val="0070C0"/>
-                </a:solidFill>
                 <a:effectLst>
                   <a:outerShdw blurRad="38100" dist="38100" dir="2700000" algn="tl">
                     <a:srgbClr val="000000">
@@ -5354,9 +4910,6 @@
             </a:r>
             <a:r>
               <a:rPr lang="en-GB" sz="6000" b="1" i="1" dirty="0" err="1">
-                <a:solidFill>
-                  <a:srgbClr val="0070C0"/>
-                </a:solidFill>
                 <a:effectLst>
                   <a:outerShdw blurRad="38100" dist="38100" dir="2700000" algn="tl">
                     <a:srgbClr val="000000">
@@ -5369,9 +4922,6 @@
             </a:r>
             <a:r>
               <a:rPr lang="en-GB" sz="6000" b="1" i="1" dirty="0">
-                <a:solidFill>
-                  <a:srgbClr val="0070C0"/>
-                </a:solidFill>
                 <a:effectLst>
                   <a:outerShdw blurRad="38100" dist="38100" dir="2700000" algn="tl">
                     <a:srgbClr val="000000">
@@ -5381,27 +4931,9 @@
                 </a:effectLst>
               </a:rPr>
               <a:t> ;</a:t>
-            </a:r>
-            <a:r>
-              <a:rPr lang="fr-FR" sz="6000" b="1" i="1" dirty="0">
-                <a:solidFill>
-                  <a:srgbClr val="0070C0"/>
-                </a:solidFill>
-                <a:effectLst>
-                  <a:outerShdw blurRad="38100" dist="38100" dir="2700000" algn="tl">
-                    <a:srgbClr val="000000">
-                      <a:alpha val="43137"/>
-                    </a:srgbClr>
-                  </a:outerShdw>
-                </a:effectLst>
-              </a:rPr>
-              <a:t/>
             </a:r>
             <a:br>
               <a:rPr lang="fr-FR" sz="6000" b="1" i="1" dirty="0">
-                <a:solidFill>
-                  <a:srgbClr val="0070C0"/>
-                </a:solidFill>
                 <a:effectLst>
                   <a:outerShdw blurRad="38100" dist="38100" dir="2700000" algn="tl">
                     <a:srgbClr val="000000">
@@ -5412,10 +4944,7 @@
               </a:rPr>
             </a:br>
             <a:r>
-              <a:rPr lang="en-GB" sz="6000" b="1" i="1" dirty="0" err="1" smtClean="0">
-                <a:solidFill>
-                  <a:srgbClr val="0070C0"/>
-                </a:solidFill>
+              <a:rPr lang="en-GB" sz="6000" b="1" i="1" dirty="0" err="1">
                 <a:effectLst>
                   <a:outerShdw blurRad="38100" dist="38100" dir="2700000" algn="tl">
                     <a:srgbClr val="000000">
@@ -5427,10 +4956,7 @@
               <a:t>Jeso</a:t>
             </a:r>
             <a:r>
-              <a:rPr lang="en-GB" sz="6000" b="1" i="1" dirty="0" smtClean="0">
-                <a:solidFill>
-                  <a:srgbClr val="0070C0"/>
-                </a:solidFill>
+              <a:rPr lang="en-GB" sz="6000" b="1" i="1" dirty="0">
                 <a:effectLst>
                   <a:outerShdw blurRad="38100" dist="38100" dir="2700000" algn="tl">
                     <a:srgbClr val="000000">
@@ -5443,9 +4969,6 @@
             </a:r>
             <a:r>
               <a:rPr lang="en-GB" sz="6000" b="1" i="1" dirty="0" err="1">
-                <a:solidFill>
-                  <a:srgbClr val="0070C0"/>
-                </a:solidFill>
                 <a:effectLst>
                   <a:outerShdw blurRad="38100" dist="38100" dir="2700000" algn="tl">
                     <a:srgbClr val="000000">
@@ -5458,9 +4981,6 @@
             </a:r>
             <a:r>
               <a:rPr lang="en-GB" sz="6000" b="1" i="1" dirty="0">
-                <a:solidFill>
-                  <a:srgbClr val="0070C0"/>
-                </a:solidFill>
                 <a:effectLst>
                   <a:outerShdw blurRad="38100" dist="38100" dir="2700000" algn="tl">
                     <a:srgbClr val="000000">
@@ -5473,9 +4993,6 @@
             </a:r>
             <a:r>
               <a:rPr lang="en-GB" sz="6000" b="1" i="1" dirty="0" err="1">
-                <a:solidFill>
-                  <a:srgbClr val="0070C0"/>
-                </a:solidFill>
                 <a:effectLst>
                   <a:outerShdw blurRad="38100" dist="38100" dir="2700000" algn="tl">
                     <a:srgbClr val="000000">
@@ -5488,9 +5005,6 @@
             </a:r>
             <a:r>
               <a:rPr lang="en-GB" sz="6000" b="1" i="1" dirty="0">
-                <a:solidFill>
-                  <a:srgbClr val="0070C0"/>
-                </a:solidFill>
                 <a:effectLst>
                   <a:outerShdw blurRad="38100" dist="38100" dir="2700000" algn="tl">
                     <a:srgbClr val="000000">
@@ -5500,27 +5014,9 @@
                 </a:effectLst>
               </a:rPr>
               <a:t>, </a:t>
-            </a:r>
-            <a:r>
-              <a:rPr lang="fr-FR" sz="6000" b="1" i="1" dirty="0">
-                <a:solidFill>
-                  <a:srgbClr val="0070C0"/>
-                </a:solidFill>
-                <a:effectLst>
-                  <a:outerShdw blurRad="38100" dist="38100" dir="2700000" algn="tl">
-                    <a:srgbClr val="000000">
-                      <a:alpha val="43137"/>
-                    </a:srgbClr>
-                  </a:outerShdw>
-                </a:effectLst>
-              </a:rPr>
-              <a:t/>
             </a:r>
             <a:br>
               <a:rPr lang="fr-FR" sz="6000" b="1" i="1" dirty="0">
-                <a:solidFill>
-                  <a:srgbClr val="0070C0"/>
-                </a:solidFill>
                 <a:effectLst>
                   <a:outerShdw blurRad="38100" dist="38100" dir="2700000" algn="tl">
                     <a:srgbClr val="000000">
@@ -5531,10 +5027,7 @@
               </a:rPr>
             </a:br>
             <a:r>
-              <a:rPr lang="en-GB" sz="6000" b="1" i="1" dirty="0" err="1" smtClean="0">
-                <a:solidFill>
-                  <a:srgbClr val="0070C0"/>
-                </a:solidFill>
+              <a:rPr lang="en-GB" sz="6000" b="1" i="1" dirty="0" err="1">
                 <a:effectLst>
                   <a:outerShdw blurRad="38100" dist="38100" dir="2700000" algn="tl">
                     <a:srgbClr val="000000">
@@ -5546,10 +5039,7 @@
               <a:t>Sady</a:t>
             </a:r>
             <a:r>
-              <a:rPr lang="en-GB" sz="6000" b="1" i="1" dirty="0" smtClean="0">
-                <a:solidFill>
-                  <a:srgbClr val="0070C0"/>
-                </a:solidFill>
+              <a:rPr lang="en-GB" sz="6000" b="1" i="1" dirty="0">
                 <a:effectLst>
                   <a:outerShdw blurRad="38100" dist="38100" dir="2700000" algn="tl">
                     <a:srgbClr val="000000">
@@ -5562,9 +5052,6 @@
             </a:r>
             <a:r>
               <a:rPr lang="en-GB" sz="6000" b="1" i="1" dirty="0" err="1">
-                <a:solidFill>
-                  <a:srgbClr val="0070C0"/>
-                </a:solidFill>
                 <a:effectLst>
                   <a:outerShdw blurRad="38100" dist="38100" dir="2700000" algn="tl">
                     <a:srgbClr val="000000">
@@ -5577,9 +5064,6 @@
             </a:r>
             <a:r>
               <a:rPr lang="en-GB" sz="6000" b="1" i="1" dirty="0">
-                <a:solidFill>
-                  <a:srgbClr val="0070C0"/>
-                </a:solidFill>
                 <a:effectLst>
                   <a:outerShdw blurRad="38100" dist="38100" dir="2700000" algn="tl">
                     <a:srgbClr val="000000">
@@ -5592,9 +5076,6 @@
             </a:r>
             <a:r>
               <a:rPr lang="en-GB" sz="6000" b="1" i="1" dirty="0" err="1">
-                <a:solidFill>
-                  <a:srgbClr val="0070C0"/>
-                </a:solidFill>
                 <a:effectLst>
                   <a:outerShdw blurRad="38100" dist="38100" dir="2700000" algn="tl">
                     <a:srgbClr val="000000">
@@ -5604,27 +5085,9 @@
                 </a:effectLst>
               </a:rPr>
               <a:t>manao</a:t>
-            </a:r>
-            <a:r>
-              <a:rPr lang="fr-FR" sz="6000" b="1" i="1" dirty="0">
-                <a:solidFill>
-                  <a:srgbClr val="0070C0"/>
-                </a:solidFill>
-                <a:effectLst>
-                  <a:outerShdw blurRad="38100" dist="38100" dir="2700000" algn="tl">
-                    <a:srgbClr val="000000">
-                      <a:alpha val="43137"/>
-                    </a:srgbClr>
-                  </a:outerShdw>
-                </a:effectLst>
-              </a:rPr>
-              <a:t/>
             </a:r>
             <a:br>
               <a:rPr lang="fr-FR" sz="6000" b="1" i="1" dirty="0">
-                <a:solidFill>
-                  <a:srgbClr val="0070C0"/>
-                </a:solidFill>
                 <a:effectLst>
                   <a:outerShdw blurRad="38100" dist="38100" dir="2700000" algn="tl">
                     <a:srgbClr val="000000">
@@ -5635,10 +5098,7 @@
               </a:rPr>
             </a:br>
             <a:r>
-              <a:rPr lang="en-GB" sz="6000" b="1" i="1" dirty="0" err="1" smtClean="0">
-                <a:solidFill>
-                  <a:srgbClr val="0070C0"/>
-                </a:solidFill>
+              <a:rPr lang="en-GB" sz="6000" b="1" i="1" dirty="0" err="1">
                 <a:effectLst>
                   <a:outerShdw blurRad="38100" dist="38100" dir="2700000" algn="tl">
                     <a:srgbClr val="000000">
@@ -5650,10 +5110,7 @@
               <a:t>Trano</a:t>
             </a:r>
             <a:r>
-              <a:rPr lang="en-GB" sz="6000" b="1" i="1" dirty="0" smtClean="0">
-                <a:solidFill>
-                  <a:srgbClr val="0070C0"/>
-                </a:solidFill>
+              <a:rPr lang="en-GB" sz="6000" b="1" i="1" dirty="0">
                 <a:effectLst>
                   <a:outerShdw blurRad="38100" dist="38100" dir="2700000" algn="tl">
                     <a:srgbClr val="000000">
@@ -5666,9 +5123,6 @@
             </a:r>
             <a:r>
               <a:rPr lang="en-GB" sz="6000" b="1" i="1" dirty="0" err="1">
-                <a:solidFill>
-                  <a:srgbClr val="0070C0"/>
-                </a:solidFill>
                 <a:effectLst>
                   <a:outerShdw blurRad="38100" dist="38100" dir="2700000" algn="tl">
                     <a:srgbClr val="000000">
@@ -5681,9 +5135,6 @@
             </a:r>
             <a:r>
               <a:rPr lang="en-GB" sz="6000" b="1" i="1" dirty="0">
-                <a:solidFill>
-                  <a:srgbClr val="0070C0"/>
-                </a:solidFill>
                 <a:effectLst>
                   <a:outerShdw blurRad="38100" dist="38100" dir="2700000" algn="tl">
                     <a:srgbClr val="000000">
@@ -5696,9 +5147,6 @@
             </a:r>
             <a:r>
               <a:rPr lang="en-GB" sz="6000" b="1" i="1" dirty="0" err="1">
-                <a:solidFill>
-                  <a:srgbClr val="0070C0"/>
-                </a:solidFill>
                 <a:effectLst>
                   <a:outerShdw blurRad="38100" dist="38100" dir="2700000" algn="tl">
                     <a:srgbClr val="000000">
@@ -5711,9 +5159,6 @@
             </a:r>
             <a:r>
               <a:rPr lang="en-GB" sz="6000" b="1" i="1" dirty="0">
-                <a:solidFill>
-                  <a:srgbClr val="0070C0"/>
-                </a:solidFill>
                 <a:effectLst>
                   <a:outerShdw blurRad="38100" dist="38100" dir="2700000" algn="tl">
                     <a:srgbClr val="000000">
@@ -5725,9 +5170,6 @@
               <a:t>.</a:t>
             </a:r>
             <a:endParaRPr lang="fr-FR" sz="6000" b="1" i="1" dirty="0">
-              <a:solidFill>
-                <a:srgbClr val="0070C0"/>
-              </a:solidFill>
               <a:effectLst>
                 <a:outerShdw blurRad="38100" dist="38100" dir="2700000" algn="tl">
                   <a:srgbClr val="000000">
